--- a/Train.pptx
+++ b/Train.pptx
@@ -107,6 +107,11 @@
       </a:defRPr>
     </a:lvl9pPr>
   </p:defaultTextStyle>
+  <p:extLst>
+    <p:ext uri="{EFAFB233-063F-42B5-8137-9DF3F51BA10A}">
+      <p15:sldGuideLst xmlns:p15="http://schemas.microsoft.com/office/powerpoint/2012/main"/>
+    </p:ext>
+  </p:extLst>
 </p:presentation>
 </file>
 
@@ -123,12 +128,12 @@
   <pc:docChgLst>
     <pc:chgData name="Kshanti Greene" userId="28e1ed96-404d-4c65-a9c9-74516df10d1f" providerId="ADAL" clId="{71D549BC-E620-4014-A3AC-EA7D38768A7F}"/>
     <pc:docChg chg="custSel addSld modSld">
-      <pc:chgData name="Kshanti Greene" userId="28e1ed96-404d-4c65-a9c9-74516df10d1f" providerId="ADAL" clId="{71D549BC-E620-4014-A3AC-EA7D38768A7F}" dt="2026-02-12T15:43:38.639" v="90" actId="22"/>
+      <pc:chgData name="Kshanti Greene" userId="28e1ed96-404d-4c65-a9c9-74516df10d1f" providerId="ADAL" clId="{71D549BC-E620-4014-A3AC-EA7D38768A7F}" dt="2026-02-12T19:43:27.351" v="94" actId="14100"/>
       <pc:docMkLst>
         <pc:docMk/>
       </pc:docMkLst>
       <pc:sldChg chg="delSp modSp mod">
-        <pc:chgData name="Kshanti Greene" userId="28e1ed96-404d-4c65-a9c9-74516df10d1f" providerId="ADAL" clId="{71D549BC-E620-4014-A3AC-EA7D38768A7F}" dt="2026-02-11T20:28:18.874" v="14" actId="1076"/>
+        <pc:chgData name="Kshanti Greene" userId="28e1ed96-404d-4c65-a9c9-74516df10d1f" providerId="ADAL" clId="{71D549BC-E620-4014-A3AC-EA7D38768A7F}" dt="2026-02-12T19:43:18.377" v="92" actId="478"/>
         <pc:sldMkLst>
           <pc:docMk/>
           <pc:sldMk cId="3931581235" sldId="256"/>
@@ -190,6 +195,22 @@
           </ac:spMkLst>
         </pc:spChg>
         <pc:spChg chg="del">
+          <ac:chgData name="Kshanti Greene" userId="28e1ed96-404d-4c65-a9c9-74516df10d1f" providerId="ADAL" clId="{71D549BC-E620-4014-A3AC-EA7D38768A7F}" dt="2026-02-12T19:43:18.377" v="92" actId="478"/>
+          <ac:spMkLst>
+            <pc:docMk/>
+            <pc:sldMk cId="3931581235" sldId="256"/>
+            <ac:spMk id="13" creationId="{C6078A71-8665-3BA0-A2B1-3761ED88A4B6}"/>
+          </ac:spMkLst>
+        </pc:spChg>
+        <pc:spChg chg="del">
+          <ac:chgData name="Kshanti Greene" userId="28e1ed96-404d-4c65-a9c9-74516df10d1f" providerId="ADAL" clId="{71D549BC-E620-4014-A3AC-EA7D38768A7F}" dt="2026-02-12T19:43:18.377" v="92" actId="478"/>
+          <ac:spMkLst>
+            <pc:docMk/>
+            <pc:sldMk cId="3931581235" sldId="256"/>
+            <ac:spMk id="14" creationId="{30D07413-6613-209A-B6FF-C9FF238E2216}"/>
+          </ac:spMkLst>
+        </pc:spChg>
+        <pc:spChg chg="del">
           <ac:chgData name="Kshanti Greene" userId="28e1ed96-404d-4c65-a9c9-74516df10d1f" providerId="ADAL" clId="{71D549BC-E620-4014-A3AC-EA7D38768A7F}" dt="2026-02-11T20:27:49.021" v="11" actId="478"/>
           <ac:spMkLst>
             <pc:docMk/>
@@ -197,9 +218,25 @@
             <ac:spMk id="16" creationId="{0FFF8F57-0E18-C9D2-3513-F65AD9059DD7}"/>
           </ac:spMkLst>
         </pc:spChg>
+        <pc:spChg chg="del">
+          <ac:chgData name="Kshanti Greene" userId="28e1ed96-404d-4c65-a9c9-74516df10d1f" providerId="ADAL" clId="{71D549BC-E620-4014-A3AC-EA7D38768A7F}" dt="2026-02-12T19:43:18.377" v="92" actId="478"/>
+          <ac:spMkLst>
+            <pc:docMk/>
+            <pc:sldMk cId="3931581235" sldId="256"/>
+            <ac:spMk id="17" creationId="{6D03B0B8-516E-7485-F894-267F23FA722E}"/>
+          </ac:spMkLst>
+        </pc:spChg>
+        <pc:spChg chg="del">
+          <ac:chgData name="Kshanti Greene" userId="28e1ed96-404d-4c65-a9c9-74516df10d1f" providerId="ADAL" clId="{71D549BC-E620-4014-A3AC-EA7D38768A7F}" dt="2026-02-12T19:43:10.482" v="91" actId="478"/>
+          <ac:spMkLst>
+            <pc:docMk/>
+            <pc:sldMk cId="3931581235" sldId="256"/>
+            <ac:spMk id="18" creationId="{3C38983D-5C46-3C5F-571F-083ACF49BBA6}"/>
+          </ac:spMkLst>
+        </pc:spChg>
       </pc:sldChg>
       <pc:sldChg chg="addSp delSp modSp new mod">
-        <pc:chgData name="Kshanti Greene" userId="28e1ed96-404d-4c65-a9c9-74516df10d1f" providerId="ADAL" clId="{71D549BC-E620-4014-A3AC-EA7D38768A7F}" dt="2026-02-12T15:43:38.639" v="90" actId="22"/>
+        <pc:chgData name="Kshanti Greene" userId="28e1ed96-404d-4c65-a9c9-74516df10d1f" providerId="ADAL" clId="{71D549BC-E620-4014-A3AC-EA7D38768A7F}" dt="2026-02-12T19:43:27.351" v="94" actId="14100"/>
         <pc:sldMkLst>
           <pc:docMk/>
           <pc:sldMk cId="238703488" sldId="257"/>
@@ -236,8 +273,8 @@
             <ac:picMk id="5" creationId="{2FF16177-3FD2-A322-F531-D2B98DE9DCE6}"/>
           </ac:picMkLst>
         </pc:picChg>
-        <pc:picChg chg="add">
-          <ac:chgData name="Kshanti Greene" userId="28e1ed96-404d-4c65-a9c9-74516df10d1f" providerId="ADAL" clId="{71D549BC-E620-4014-A3AC-EA7D38768A7F}" dt="2026-02-12T15:43:38.639" v="90" actId="22"/>
+        <pc:picChg chg="add mod">
+          <ac:chgData name="Kshanti Greene" userId="28e1ed96-404d-4c65-a9c9-74516df10d1f" providerId="ADAL" clId="{71D549BC-E620-4014-A3AC-EA7D38768A7F}" dt="2026-02-12T19:43:27.351" v="94" actId="14100"/>
           <ac:picMkLst>
             <pc:docMk/>
             <pc:sldMk cId="238703488" sldId="257"/>
@@ -427,7 +464,7 @@
           <a:p>
             <a:fld id="{D4076F83-C1C5-4E96-944B-5C890BA9B4A0}" type="datetimeFigureOut">
               <a:rPr lang="en-US" smtClean="0"/>
-              <a:t>2/11/2026</a:t>
+              <a:t>2/12/2026</a:t>
             </a:fld>
             <a:endParaRPr lang="en-US"/>
           </a:p>
@@ -625,7 +662,7 @@
           <a:p>
             <a:fld id="{D4076F83-C1C5-4E96-944B-5C890BA9B4A0}" type="datetimeFigureOut">
               <a:rPr lang="en-US" smtClean="0"/>
-              <a:t>2/11/2026</a:t>
+              <a:t>2/12/2026</a:t>
             </a:fld>
             <a:endParaRPr lang="en-US"/>
           </a:p>
@@ -833,7 +870,7 @@
           <a:p>
             <a:fld id="{D4076F83-C1C5-4E96-944B-5C890BA9B4A0}" type="datetimeFigureOut">
               <a:rPr lang="en-US" smtClean="0"/>
-              <a:t>2/11/2026</a:t>
+              <a:t>2/12/2026</a:t>
             </a:fld>
             <a:endParaRPr lang="en-US"/>
           </a:p>
@@ -1031,7 +1068,7 @@
           <a:p>
             <a:fld id="{D4076F83-C1C5-4E96-944B-5C890BA9B4A0}" type="datetimeFigureOut">
               <a:rPr lang="en-US" smtClean="0"/>
-              <a:t>2/11/2026</a:t>
+              <a:t>2/12/2026</a:t>
             </a:fld>
             <a:endParaRPr lang="en-US"/>
           </a:p>
@@ -1306,7 +1343,7 @@
           <a:p>
             <a:fld id="{D4076F83-C1C5-4E96-944B-5C890BA9B4A0}" type="datetimeFigureOut">
               <a:rPr lang="en-US" smtClean="0"/>
-              <a:t>2/11/2026</a:t>
+              <a:t>2/12/2026</a:t>
             </a:fld>
             <a:endParaRPr lang="en-US"/>
           </a:p>
@@ -1571,7 +1608,7 @@
           <a:p>
             <a:fld id="{D4076F83-C1C5-4E96-944B-5C890BA9B4A0}" type="datetimeFigureOut">
               <a:rPr lang="en-US" smtClean="0"/>
-              <a:t>2/11/2026</a:t>
+              <a:t>2/12/2026</a:t>
             </a:fld>
             <a:endParaRPr lang="en-US"/>
           </a:p>
@@ -1983,7 +2020,7 @@
           <a:p>
             <a:fld id="{D4076F83-C1C5-4E96-944B-5C890BA9B4A0}" type="datetimeFigureOut">
               <a:rPr lang="en-US" smtClean="0"/>
-              <a:t>2/11/2026</a:t>
+              <a:t>2/12/2026</a:t>
             </a:fld>
             <a:endParaRPr lang="en-US"/>
           </a:p>
@@ -2124,7 +2161,7 @@
           <a:p>
             <a:fld id="{D4076F83-C1C5-4E96-944B-5C890BA9B4A0}" type="datetimeFigureOut">
               <a:rPr lang="en-US" smtClean="0"/>
-              <a:t>2/11/2026</a:t>
+              <a:t>2/12/2026</a:t>
             </a:fld>
             <a:endParaRPr lang="en-US"/>
           </a:p>
@@ -2237,7 +2274,7 @@
           <a:p>
             <a:fld id="{D4076F83-C1C5-4E96-944B-5C890BA9B4A0}" type="datetimeFigureOut">
               <a:rPr lang="en-US" smtClean="0"/>
-              <a:t>2/11/2026</a:t>
+              <a:t>2/12/2026</a:t>
             </a:fld>
             <a:endParaRPr lang="en-US"/>
           </a:p>
@@ -2548,7 +2585,7 @@
           <a:p>
             <a:fld id="{D4076F83-C1C5-4E96-944B-5C890BA9B4A0}" type="datetimeFigureOut">
               <a:rPr lang="en-US" smtClean="0"/>
-              <a:t>2/11/2026</a:t>
+              <a:t>2/12/2026</a:t>
             </a:fld>
             <a:endParaRPr lang="en-US"/>
           </a:p>
@@ -2836,7 +2873,7 @@
           <a:p>
             <a:fld id="{D4076F83-C1C5-4E96-944B-5C890BA9B4A0}" type="datetimeFigureOut">
               <a:rPr lang="en-US" smtClean="0"/>
-              <a:t>2/11/2026</a:t>
+              <a:t>2/12/2026</a:t>
             </a:fld>
             <a:endParaRPr lang="en-US"/>
           </a:p>
@@ -3077,7 +3114,7 @@
           <a:p>
             <a:fld id="{D4076F83-C1C5-4E96-944B-5C890BA9B4A0}" type="datetimeFigureOut">
               <a:rPr lang="en-US" smtClean="0"/>
-              <a:t>2/11/2026</a:t>
+              <a:t>2/12/2026</a:t>
             </a:fld>
             <a:endParaRPr lang="en-US"/>
           </a:p>
@@ -3831,187 +3868,6 @@
           </a:p>
         </p:txBody>
       </p:sp>
-      <p:sp>
-        <p:nvSpPr>
-          <p:cNvPr id="13" name="TextBox 12">
-            <a:extLst>
-              <a:ext uri="{FF2B5EF4-FFF2-40B4-BE49-F238E27FC236}">
-                <a16:creationId xmlns:a16="http://schemas.microsoft.com/office/drawing/2014/main" id="{C6078A71-8665-3BA0-A2B1-3761ED88A4B6}"/>
-              </a:ext>
-            </a:extLst>
-          </p:cNvPr>
-          <p:cNvSpPr txBox="1"/>
-          <p:nvPr/>
-        </p:nvSpPr>
-        <p:spPr>
-          <a:xfrm>
-            <a:off x="1661652" y="2497394"/>
-            <a:ext cx="3917611" cy="923330"/>
-          </a:xfrm>
-          <a:prstGeom prst="rect">
-            <a:avLst/>
-          </a:prstGeom>
-          <a:noFill/>
-        </p:spPr>
-        <p:txBody>
-          <a:bodyPr wrap="none" rtlCol="0">
-            <a:spAutoFit/>
-          </a:bodyPr>
-          <a:lstStyle/>
-          <a:p>
-            <a:r>
-              <a:rPr lang="en-US" b="1" dirty="0"/>
-              <a:t>First Class:</a:t>
-            </a:r>
-            <a:r>
-              <a:rPr lang="en-US" dirty="0"/>
-              <a:t> 10 passengers per car</a:t>
-            </a:r>
-          </a:p>
-          <a:p>
-            <a:r>
-              <a:rPr lang="en-US" b="1" dirty="0"/>
-              <a:t>Second Class: </a:t>
-            </a:r>
-            <a:r>
-              <a:rPr lang="en-US" dirty="0"/>
-              <a:t>24 passengers per car</a:t>
-            </a:r>
-          </a:p>
-          <a:p>
-            <a:r>
-              <a:rPr lang="en-US" b="1" dirty="0"/>
-              <a:t>Third Class:</a:t>
-            </a:r>
-            <a:r>
-              <a:rPr lang="en-US" dirty="0"/>
-              <a:t> 50 passengers per car</a:t>
-            </a:r>
-          </a:p>
-        </p:txBody>
-      </p:sp>
-      <p:sp>
-        <p:nvSpPr>
-          <p:cNvPr id="14" name="TextBox 13">
-            <a:extLst>
-              <a:ext uri="{FF2B5EF4-FFF2-40B4-BE49-F238E27FC236}">
-                <a16:creationId xmlns:a16="http://schemas.microsoft.com/office/drawing/2014/main" id="{30D07413-6613-209A-B6FF-C9FF238E2216}"/>
-              </a:ext>
-            </a:extLst>
-          </p:cNvPr>
-          <p:cNvSpPr txBox="1"/>
-          <p:nvPr/>
-        </p:nvSpPr>
-        <p:spPr>
-          <a:xfrm>
-            <a:off x="5046859" y="3718740"/>
-            <a:ext cx="4237250" cy="646331"/>
-          </a:xfrm>
-          <a:prstGeom prst="rect">
-            <a:avLst/>
-          </a:prstGeom>
-          <a:noFill/>
-        </p:spPr>
-        <p:txBody>
-          <a:bodyPr wrap="none" rtlCol="0">
-            <a:spAutoFit/>
-          </a:bodyPr>
-          <a:lstStyle/>
-          <a:p>
-            <a:r>
-              <a:rPr lang="en-US" dirty="0"/>
-              <a:t>Minimize the number of class intermixing</a:t>
-            </a:r>
-          </a:p>
-          <a:p>
-            <a:r>
-              <a:rPr lang="en-US" dirty="0"/>
-              <a:t>Maximize profit </a:t>
-            </a:r>
-          </a:p>
-        </p:txBody>
-      </p:sp>
-      <p:sp>
-        <p:nvSpPr>
-          <p:cNvPr id="17" name="TextBox 16">
-            <a:extLst>
-              <a:ext uri="{FF2B5EF4-FFF2-40B4-BE49-F238E27FC236}">
-                <a16:creationId xmlns:a16="http://schemas.microsoft.com/office/drawing/2014/main" id="{6D03B0B8-516E-7485-F894-267F23FA722E}"/>
-              </a:ext>
-            </a:extLst>
-          </p:cNvPr>
-          <p:cNvSpPr txBox="1"/>
-          <p:nvPr/>
-        </p:nvSpPr>
-        <p:spPr>
-          <a:xfrm>
-            <a:off x="1248098" y="4837471"/>
-            <a:ext cx="5558894" cy="646331"/>
-          </a:xfrm>
-          <a:prstGeom prst="rect">
-            <a:avLst/>
-          </a:prstGeom>
-          <a:noFill/>
-        </p:spPr>
-        <p:txBody>
-          <a:bodyPr wrap="none" rtlCol="0">
-            <a:spAutoFit/>
-          </a:bodyPr>
-          <a:lstStyle/>
-          <a:p>
-            <a:r>
-              <a:rPr lang="en-US" dirty="0"/>
-              <a:t>Fitness: profit = ticket </a:t>
-            </a:r>
-            <a:r>
-              <a:rPr lang="en-US" dirty="0" err="1"/>
-              <a:t>prices+cost</a:t>
-            </a:r>
-            <a:r>
-              <a:rPr lang="en-US" dirty="0"/>
-              <a:t> of engines-discount</a:t>
-            </a:r>
-          </a:p>
-          <a:p>
-            <a:endParaRPr lang="en-US" dirty="0"/>
-          </a:p>
-        </p:txBody>
-      </p:sp>
-      <p:sp>
-        <p:nvSpPr>
-          <p:cNvPr id="18" name="TextBox 17">
-            <a:extLst>
-              <a:ext uri="{FF2B5EF4-FFF2-40B4-BE49-F238E27FC236}">
-                <a16:creationId xmlns:a16="http://schemas.microsoft.com/office/drawing/2014/main" id="{3C38983D-5C46-3C5F-571F-083ACF49BBA6}"/>
-              </a:ext>
-            </a:extLst>
-          </p:cNvPr>
-          <p:cNvSpPr txBox="1"/>
-          <p:nvPr/>
-        </p:nvSpPr>
-        <p:spPr>
-          <a:xfrm>
-            <a:off x="1317637" y="5221551"/>
-            <a:ext cx="7355219" cy="369332"/>
-          </a:xfrm>
-          <a:prstGeom prst="rect">
-            <a:avLst/>
-          </a:prstGeom>
-          <a:noFill/>
-        </p:spPr>
-        <p:txBody>
-          <a:bodyPr wrap="none" rtlCol="0">
-            <a:spAutoFit/>
-          </a:bodyPr>
-          <a:lstStyle/>
-          <a:p>
-            <a:r>
-              <a:rPr lang="en-US" dirty="0"/>
-              <a:t>Percent happy customers = max(100,percent happy*100+minutes_early) </a:t>
-            </a:r>
-          </a:p>
-        </p:txBody>
-      </p:sp>
     </p:spTree>
     <p:extLst>
       <p:ext uri="{BB962C8B-B14F-4D97-AF65-F5344CB8AC3E}">
@@ -4309,8 +4165,8 @@
         </p:blipFill>
         <p:spPr>
           <a:xfrm>
-            <a:off x="918440" y="2114366"/>
-            <a:ext cx="10355120" cy="2629267"/>
+            <a:off x="682465" y="1583424"/>
+            <a:ext cx="11576609" cy="2939415"/>
           </a:xfrm>
           <a:prstGeom prst="rect">
             <a:avLst/>
